--- a/Documents/Presentations/PresentationBeta.pptx
+++ b/Documents/Presentations/PresentationBeta.pptx
@@ -5650,7 +5650,7 @@
         <p:spPr>
           <a:xfrm>
             <a:off x="1708484" y="2551837"/>
-            <a:ext cx="8775032" cy="1754326"/>
+            <a:ext cx="8775032" cy="2308324"/>
           </a:xfrm>
           <a:prstGeom prst="rect">
             <a:avLst/>
@@ -5690,6 +5690,16 @@
             <a:r>
               <a:rPr lang="en-GB" sz="3600" dirty="0"/>
               <a:t>Polish the game art</a:t>
+            </a:r>
+          </a:p>
+          <a:p>
+            <a:pPr marL="285750" indent="-285750">
+              <a:buFont typeface="Wingdings" panose="05000000000000000000" pitchFamily="2" charset="2"/>
+              <a:buChar char="§"/>
+            </a:pPr>
+            <a:r>
+              <a:rPr lang="en-GB" sz="3600" dirty="0"/>
+              <a:t>Add Animations</a:t>
             </a:r>
           </a:p>
         </p:txBody>

--- a/Documents/Presentations/PresentationBeta.pptx
+++ b/Documents/Presentations/PresentationBeta.pptx
@@ -5,15 +5,16 @@
     <p:sldMasterId id="2147483677" r:id="rId1"/>
   </p:sldMasterIdLst>
   <p:notesMasterIdLst>
-    <p:notesMasterId r:id="rId8"/>
+    <p:notesMasterId r:id="rId9"/>
   </p:notesMasterIdLst>
   <p:sldIdLst>
     <p:sldId id="261" r:id="rId2"/>
     <p:sldId id="256" r:id="rId3"/>
     <p:sldId id="259" r:id="rId4"/>
-    <p:sldId id="258" r:id="rId5"/>
-    <p:sldId id="257" r:id="rId6"/>
-    <p:sldId id="260" r:id="rId7"/>
+    <p:sldId id="262" r:id="rId5"/>
+    <p:sldId id="258" r:id="rId6"/>
+    <p:sldId id="257" r:id="rId7"/>
+    <p:sldId id="260" r:id="rId8"/>
   </p:sldIdLst>
   <p:sldSz cx="12192000" cy="6858000"/>
   <p:notesSz cx="6858000" cy="9144000"/>
@@ -214,7 +215,7 @@
             <a:fld id="{0302D908-A144-481B-834F-E793EE46D55F}" type="datetimeFigureOut">
               <a:rPr lang="en-GB" smtClean="0"/>
               <a:pPr/>
-              <a:t>17/04/2018</a:t>
+              <a:t>18/04/2018</a:t>
             </a:fld>
             <a:endParaRPr lang="en-GB"/>
           </a:p>
@@ -634,7 +635,7 @@
             <a:fld id="{456FB04C-83BB-4334-AE93-112E02DBE88E}" type="slidenum">
               <a:rPr lang="en-GB" smtClean="0"/>
               <a:pPr/>
-              <a:t>4</a:t>
+              <a:t>5</a:t>
             </a:fld>
             <a:endParaRPr lang="en-GB"/>
           </a:p>
@@ -719,7 +720,7 @@
             <a:fld id="{456FB04C-83BB-4334-AE93-112E02DBE88E}" type="slidenum">
               <a:rPr lang="en-GB" smtClean="0"/>
               <a:pPr/>
-              <a:t>5</a:t>
+              <a:t>6</a:t>
             </a:fld>
             <a:endParaRPr lang="en-GB"/>
           </a:p>
@@ -870,7 +871,7 @@
             <a:fld id="{338076B2-4155-43EF-BC29-E6DD9FE944D3}" type="datetimeFigureOut">
               <a:rPr lang="en-GB" smtClean="0"/>
               <a:pPr/>
-              <a:t>17/04/2018</a:t>
+              <a:t>18/04/2018</a:t>
             </a:fld>
             <a:endParaRPr lang="en-GB"/>
           </a:p>
@@ -1054,7 +1055,7 @@
             <a:fld id="{338076B2-4155-43EF-BC29-E6DD9FE944D3}" type="datetimeFigureOut">
               <a:rPr lang="en-GB" smtClean="0"/>
               <a:pPr/>
-              <a:t>17/04/2018</a:t>
+              <a:t>18/04/2018</a:t>
             </a:fld>
             <a:endParaRPr lang="en-GB"/>
           </a:p>
@@ -1248,7 +1249,7 @@
             <a:fld id="{338076B2-4155-43EF-BC29-E6DD9FE944D3}" type="datetimeFigureOut">
               <a:rPr lang="en-GB" smtClean="0"/>
               <a:pPr/>
-              <a:t>17/04/2018</a:t>
+              <a:t>18/04/2018</a:t>
             </a:fld>
             <a:endParaRPr lang="en-GB"/>
           </a:p>
@@ -1432,7 +1433,7 @@
             <a:fld id="{338076B2-4155-43EF-BC29-E6DD9FE944D3}" type="datetimeFigureOut">
               <a:rPr lang="en-GB" smtClean="0"/>
               <a:pPr/>
-              <a:t>17/04/2018</a:t>
+              <a:t>18/04/2018</a:t>
             </a:fld>
             <a:endParaRPr lang="en-GB"/>
           </a:p>
@@ -1692,7 +1693,7 @@
             <a:fld id="{338076B2-4155-43EF-BC29-E6DD9FE944D3}" type="datetimeFigureOut">
               <a:rPr lang="en-GB" smtClean="0"/>
               <a:pPr/>
-              <a:t>17/04/2018</a:t>
+              <a:t>18/04/2018</a:t>
             </a:fld>
             <a:endParaRPr lang="en-GB"/>
           </a:p>
@@ -1938,7 +1939,7 @@
             <a:fld id="{338076B2-4155-43EF-BC29-E6DD9FE944D3}" type="datetimeFigureOut">
               <a:rPr lang="en-GB" smtClean="0"/>
               <a:pPr/>
-              <a:t>17/04/2018</a:t>
+              <a:t>18/04/2018</a:t>
             </a:fld>
             <a:endParaRPr lang="en-GB"/>
           </a:p>
@@ -2319,7 +2320,7 @@
             <a:fld id="{338076B2-4155-43EF-BC29-E6DD9FE944D3}" type="datetimeFigureOut">
               <a:rPr lang="en-GB" smtClean="0"/>
               <a:pPr/>
-              <a:t>17/04/2018</a:t>
+              <a:t>18/04/2018</a:t>
             </a:fld>
             <a:endParaRPr lang="en-GB"/>
           </a:p>
@@ -2451,7 +2452,7 @@
             <a:fld id="{338076B2-4155-43EF-BC29-E6DD9FE944D3}" type="datetimeFigureOut">
               <a:rPr lang="en-GB" smtClean="0"/>
               <a:pPr/>
-              <a:t>17/04/2018</a:t>
+              <a:t>18/04/2018</a:t>
             </a:fld>
             <a:endParaRPr lang="en-GB"/>
           </a:p>
@@ -2560,7 +2561,7 @@
             <a:fld id="{338076B2-4155-43EF-BC29-E6DD9FE944D3}" type="datetimeFigureOut">
               <a:rPr lang="en-GB" smtClean="0"/>
               <a:pPr/>
-              <a:t>17/04/2018</a:t>
+              <a:t>18/04/2018</a:t>
             </a:fld>
             <a:endParaRPr lang="en-GB"/>
           </a:p>
@@ -2851,7 +2852,7 @@
             <a:fld id="{338076B2-4155-43EF-BC29-E6DD9FE944D3}" type="datetimeFigureOut">
               <a:rPr lang="en-GB" smtClean="0"/>
               <a:pPr/>
-              <a:t>17/04/2018</a:t>
+              <a:t>18/04/2018</a:t>
             </a:fld>
             <a:endParaRPr lang="en-GB"/>
           </a:p>
@@ -3118,7 +3119,7 @@
             <a:fld id="{338076B2-4155-43EF-BC29-E6DD9FE944D3}" type="datetimeFigureOut">
               <a:rPr lang="en-GB" smtClean="0"/>
               <a:pPr/>
-              <a:t>17/04/2018</a:t>
+              <a:t>18/04/2018</a:t>
             </a:fld>
             <a:endParaRPr lang="en-GB"/>
           </a:p>
@@ -3345,7 +3346,7 @@
             <a:fld id="{338076B2-4155-43EF-BC29-E6DD9FE944D3}" type="datetimeFigureOut">
               <a:rPr lang="en-GB" smtClean="0"/>
               <a:pPr/>
-              <a:t>17/04/2018</a:t>
+              <a:t>18/04/2018</a:t>
             </a:fld>
             <a:endParaRPr lang="en-GB"/>
           </a:p>
@@ -5034,13 +5035,69 @@
       </p:grpSpPr>
       <p:sp>
         <p:nvSpPr>
-          <p:cNvPr id="6" name="Rectangle 5"/>
+          <p:cNvPr id="2" name="Title 1">
+            <a:extLst>
+              <a:ext uri="{FF2B5EF4-FFF2-40B4-BE49-F238E27FC236}">
+                <a16:creationId xmlns:a16="http://schemas.microsoft.com/office/drawing/2014/main" id="{019FE294-29B4-469A-8389-2AEDBBA19C61}"/>
+              </a:ext>
+            </a:extLst>
+          </p:cNvPr>
+          <p:cNvSpPr>
+            <a:spLocks noGrp="1"/>
+          </p:cNvSpPr>
+          <p:nvPr>
+            <p:ph type="title"/>
+          </p:nvPr>
+        </p:nvSpPr>
+        <p:spPr/>
+        <p:txBody>
+          <a:bodyPr/>
+          <a:lstStyle/>
+          <a:p>
+            <a:endParaRPr lang="en-GB" dirty="0"/>
+          </a:p>
+        </p:txBody>
+      </p:sp>
+      <p:sp>
+        <p:nvSpPr>
+          <p:cNvPr id="3" name="Content Placeholder 2">
+            <a:extLst>
+              <a:ext uri="{FF2B5EF4-FFF2-40B4-BE49-F238E27FC236}">
+                <a16:creationId xmlns:a16="http://schemas.microsoft.com/office/drawing/2014/main" id="{72ED95BB-97A8-4046-BC57-0BC50AB1E222}"/>
+              </a:ext>
+            </a:extLst>
+          </p:cNvPr>
+          <p:cNvSpPr>
+            <a:spLocks noGrp="1"/>
+          </p:cNvSpPr>
+          <p:nvPr>
+            <p:ph idx="1"/>
+          </p:nvPr>
+        </p:nvSpPr>
+        <p:spPr/>
+        <p:txBody>
+          <a:bodyPr/>
+          <a:lstStyle/>
+          <a:p>
+            <a:endParaRPr lang="en-GB"/>
+          </a:p>
+        </p:txBody>
+      </p:sp>
+      <p:sp>
+        <p:nvSpPr>
+          <p:cNvPr id="4" name="Rectangle 3">
+            <a:extLst>
+              <a:ext uri="{FF2B5EF4-FFF2-40B4-BE49-F238E27FC236}">
+                <a16:creationId xmlns:a16="http://schemas.microsoft.com/office/drawing/2014/main" id="{C161C4FE-3248-4A54-A001-EF0515F7D847}"/>
+              </a:ext>
+            </a:extLst>
+          </p:cNvPr>
           <p:cNvSpPr/>
           <p:nvPr/>
         </p:nvSpPr>
         <p:spPr>
           <a:xfrm>
-            <a:off x="0" y="0"/>
+            <a:off x="-9320" y="6078"/>
             <a:ext cx="12192000" cy="6858000"/>
           </a:xfrm>
           <a:prstGeom prst="rect">
@@ -5076,20 +5133,26 @@
           <a:lstStyle/>
           <a:p>
             <a:pPr algn="ctr"/>
-            <a:endParaRPr lang="en-GB" dirty="0"/>
+            <a:endParaRPr lang="en-GB"/>
           </a:p>
         </p:txBody>
       </p:sp>
       <p:pic>
         <p:nvPicPr>
-          <p:cNvPr id="4" name="Picture 3"/>
+          <p:cNvPr id="5" name="Picture 4">
+            <a:extLst>
+              <a:ext uri="{FF2B5EF4-FFF2-40B4-BE49-F238E27FC236}">
+                <a16:creationId xmlns:a16="http://schemas.microsoft.com/office/drawing/2014/main" id="{7777B68B-8C08-4249-9CAA-3C07BB72A425}"/>
+              </a:ext>
+            </a:extLst>
+          </p:cNvPr>
           <p:cNvPicPr>
             <a:picLocks noChangeAspect="1"/>
           </p:cNvPicPr>
           <p:nvPr/>
         </p:nvPicPr>
         <p:blipFill rotWithShape="1">
-          <a:blip r:embed="rId3" cstate="print">
+          <a:blip r:embed="rId2" cstate="print">
             <a:extLst>
               <a:ext uri="{28A0092B-C50C-407E-A947-70E740481C1C}">
                 <a14:useLocalDpi xmlns:a14="http://schemas.microsoft.com/office/drawing/2010/main" val="0"/>
@@ -5111,14 +5174,20 @@
       </p:pic>
       <p:pic>
         <p:nvPicPr>
-          <p:cNvPr id="5" name="Picture 4"/>
+          <p:cNvPr id="6" name="Picture 5">
+            <a:extLst>
+              <a:ext uri="{FF2B5EF4-FFF2-40B4-BE49-F238E27FC236}">
+                <a16:creationId xmlns:a16="http://schemas.microsoft.com/office/drawing/2014/main" id="{DFD74B8C-04B1-48A2-A5B8-3BE218EBA437}"/>
+              </a:ext>
+            </a:extLst>
+          </p:cNvPr>
           <p:cNvPicPr>
             <a:picLocks noChangeAspect="1"/>
           </p:cNvPicPr>
           <p:nvPr/>
         </p:nvPicPr>
         <p:blipFill rotWithShape="1">
-          <a:blip r:embed="rId3" cstate="print">
+          <a:blip r:embed="rId2" cstate="print">
             <a:extLst>
               <a:ext uri="{28A0092B-C50C-407E-A947-70E740481C1C}">
                 <a14:useLocalDpi xmlns:a14="http://schemas.microsoft.com/office/drawing/2010/main" val="0"/>
@@ -5140,6 +5209,337 @@
       </p:pic>
       <p:sp>
         <p:nvSpPr>
+          <p:cNvPr id="7" name="TextBox 6">
+            <a:extLst>
+              <a:ext uri="{FF2B5EF4-FFF2-40B4-BE49-F238E27FC236}">
+                <a16:creationId xmlns:a16="http://schemas.microsoft.com/office/drawing/2014/main" id="{ED2F2DAE-D491-41E9-AEDF-789728FDAF65}"/>
+              </a:ext>
+            </a:extLst>
+          </p:cNvPr>
+          <p:cNvSpPr txBox="1"/>
+          <p:nvPr/>
+        </p:nvSpPr>
+        <p:spPr>
+          <a:xfrm>
+            <a:off x="3591030" y="484699"/>
+            <a:ext cx="5009941" cy="1077218"/>
+          </a:xfrm>
+          <a:prstGeom prst="rect">
+            <a:avLst/>
+          </a:prstGeom>
+          <a:noFill/>
+        </p:spPr>
+        <p:txBody>
+          <a:bodyPr wrap="square" rtlCol="0">
+            <a:spAutoFit/>
+          </a:bodyPr>
+          <a:lstStyle/>
+          <a:p>
+            <a:r>
+              <a:rPr lang="en-GB" sz="6400" spc="300" dirty="0">
+                <a:latin typeface="Times New Roman" panose="02020603050405020304" pitchFamily="18" charset="0"/>
+                <a:ea typeface="MS Gothic" panose="020B0609070205080204" pitchFamily="49" charset="-128"/>
+                <a:cs typeface="Times New Roman" panose="02020603050405020304" pitchFamily="18" charset="0"/>
+              </a:rPr>
+              <a:t>Known Bugs</a:t>
+            </a:r>
+          </a:p>
+        </p:txBody>
+      </p:sp>
+      <p:pic>
+        <p:nvPicPr>
+          <p:cNvPr id="9" name="Picture 8">
+            <a:extLst>
+              <a:ext uri="{FF2B5EF4-FFF2-40B4-BE49-F238E27FC236}">
+                <a16:creationId xmlns:a16="http://schemas.microsoft.com/office/drawing/2014/main" id="{3F883DE7-BCF1-4D7A-A546-A804984C25C6}"/>
+              </a:ext>
+            </a:extLst>
+          </p:cNvPr>
+          <p:cNvPicPr>
+            <a:picLocks noChangeAspect="1"/>
+          </p:cNvPicPr>
+          <p:nvPr/>
+        </p:nvPicPr>
+        <p:blipFill>
+          <a:blip r:embed="rId3">
+            <a:extLst>
+              <a:ext uri="{28A0092B-C50C-407E-A947-70E740481C1C}">
+                <a14:useLocalDpi xmlns:a14="http://schemas.microsoft.com/office/drawing/2010/main" val="0"/>
+              </a:ext>
+            </a:extLst>
+          </a:blip>
+          <a:stretch>
+            <a:fillRect/>
+          </a:stretch>
+        </p:blipFill>
+        <p:spPr>
+          <a:xfrm>
+            <a:off x="10817716" y="5614721"/>
+            <a:ext cx="1657706" cy="1243279"/>
+          </a:xfrm>
+          <a:prstGeom prst="rect">
+            <a:avLst/>
+          </a:prstGeom>
+        </p:spPr>
+      </p:pic>
+      <p:pic>
+        <p:nvPicPr>
+          <p:cNvPr id="10" name="Picture 9">
+            <a:extLst>
+              <a:ext uri="{FF2B5EF4-FFF2-40B4-BE49-F238E27FC236}">
+                <a16:creationId xmlns:a16="http://schemas.microsoft.com/office/drawing/2014/main" id="{69BF328B-4E83-48D7-87B4-3FE6C7FD2801}"/>
+              </a:ext>
+            </a:extLst>
+          </p:cNvPr>
+          <p:cNvPicPr>
+            <a:picLocks noChangeAspect="1"/>
+          </p:cNvPicPr>
+          <p:nvPr/>
+        </p:nvPicPr>
+        <p:blipFill>
+          <a:blip r:embed="rId3">
+            <a:extLst>
+              <a:ext uri="{28A0092B-C50C-407E-A947-70E740481C1C}">
+                <a14:useLocalDpi xmlns:a14="http://schemas.microsoft.com/office/drawing/2010/main" val="0"/>
+              </a:ext>
+            </a:extLst>
+          </a:blip>
+          <a:stretch>
+            <a:fillRect/>
+          </a:stretch>
+        </p:blipFill>
+        <p:spPr>
+          <a:xfrm rot="11615313">
+            <a:off x="10748286" y="4635067"/>
+            <a:ext cx="1657706" cy="1243279"/>
+          </a:xfrm>
+          <a:prstGeom prst="rect">
+            <a:avLst/>
+          </a:prstGeom>
+        </p:spPr>
+      </p:pic>
+      <p:pic>
+        <p:nvPicPr>
+          <p:cNvPr id="11" name="Picture 10">
+            <a:extLst>
+              <a:ext uri="{FF2B5EF4-FFF2-40B4-BE49-F238E27FC236}">
+                <a16:creationId xmlns:a16="http://schemas.microsoft.com/office/drawing/2014/main" id="{7AC9AF0C-ED99-4F59-82D7-825BFDB844BE}"/>
+              </a:ext>
+            </a:extLst>
+          </p:cNvPr>
+          <p:cNvPicPr>
+            <a:picLocks noChangeAspect="1"/>
+          </p:cNvPicPr>
+          <p:nvPr/>
+        </p:nvPicPr>
+        <p:blipFill>
+          <a:blip r:embed="rId3">
+            <a:extLst>
+              <a:ext uri="{28A0092B-C50C-407E-A947-70E740481C1C}">
+                <a14:useLocalDpi xmlns:a14="http://schemas.microsoft.com/office/drawing/2010/main" val="0"/>
+              </a:ext>
+            </a:extLst>
+          </a:blip>
+          <a:stretch>
+            <a:fillRect/>
+          </a:stretch>
+        </p:blipFill>
+        <p:spPr>
+          <a:xfrm rot="6195422">
+            <a:off x="10498825" y="5237392"/>
+            <a:ext cx="1178543" cy="883907"/>
+          </a:xfrm>
+          <a:prstGeom prst="rect">
+            <a:avLst/>
+          </a:prstGeom>
+        </p:spPr>
+      </p:pic>
+      <p:sp>
+        <p:nvSpPr>
+          <p:cNvPr id="12" name="TextBox 11">
+            <a:extLst>
+              <a:ext uri="{FF2B5EF4-FFF2-40B4-BE49-F238E27FC236}">
+                <a16:creationId xmlns:a16="http://schemas.microsoft.com/office/drawing/2014/main" id="{12D1D3B9-6CE6-4E63-8395-E5B2CB5292BB}"/>
+              </a:ext>
+            </a:extLst>
+          </p:cNvPr>
+          <p:cNvSpPr txBox="1"/>
+          <p:nvPr/>
+        </p:nvSpPr>
+        <p:spPr>
+          <a:xfrm>
+            <a:off x="3266807" y="2274838"/>
+            <a:ext cx="5658387" cy="2862322"/>
+          </a:xfrm>
+          <a:prstGeom prst="rect">
+            <a:avLst/>
+          </a:prstGeom>
+          <a:noFill/>
+        </p:spPr>
+        <p:txBody>
+          <a:bodyPr wrap="square" rtlCol="0">
+            <a:spAutoFit/>
+          </a:bodyPr>
+          <a:lstStyle/>
+          <a:p>
+            <a:pPr marL="742950" indent="-742950">
+              <a:buFont typeface="+mj-lt"/>
+              <a:buAutoNum type="arabicPeriod"/>
+            </a:pPr>
+            <a:r>
+              <a:rPr lang="en-GB" sz="3600" dirty="0">
+                <a:latin typeface="Times New Roman" panose="02020603050405020304" pitchFamily="18" charset="0"/>
+                <a:cs typeface="Times New Roman" panose="02020603050405020304" pitchFamily="18" charset="0"/>
+              </a:rPr>
+              <a:t>Flower position</a:t>
+            </a:r>
+          </a:p>
+          <a:p>
+            <a:pPr marL="742950" indent="-742950">
+              <a:buFont typeface="+mj-lt"/>
+              <a:buAutoNum type="arabicPeriod"/>
+            </a:pPr>
+            <a:r>
+              <a:rPr lang="en-GB" sz="3600" dirty="0">
+                <a:latin typeface="Times New Roman" panose="02020603050405020304" pitchFamily="18" charset="0"/>
+                <a:cs typeface="Times New Roman" panose="02020603050405020304" pitchFamily="18" charset="0"/>
+              </a:rPr>
+              <a:t>Player two score</a:t>
+            </a:r>
+          </a:p>
+          <a:p>
+            <a:pPr marL="742950" indent="-742950">
+              <a:buFont typeface="+mj-lt"/>
+              <a:buAutoNum type="arabicPeriod"/>
+            </a:pPr>
+            <a:r>
+              <a:rPr lang="en-GB" sz="3600" dirty="0">
+                <a:latin typeface="Times New Roman" panose="02020603050405020304" pitchFamily="18" charset="0"/>
+                <a:cs typeface="Times New Roman" panose="02020603050405020304" pitchFamily="18" charset="0"/>
+              </a:rPr>
+              <a:t>Hazards</a:t>
+            </a:r>
+          </a:p>
+          <a:p>
+            <a:pPr marL="742950" indent="-742950">
+              <a:buFont typeface="+mj-lt"/>
+              <a:buAutoNum type="arabicPeriod"/>
+            </a:pPr>
+            <a:r>
+              <a:rPr lang="en-GB" sz="3600" dirty="0">
+                <a:latin typeface="Times New Roman" panose="02020603050405020304" pitchFamily="18" charset="0"/>
+                <a:cs typeface="Times New Roman" panose="02020603050405020304" pitchFamily="18" charset="0"/>
+              </a:rPr>
+              <a:t>Scoring system</a:t>
+            </a:r>
+          </a:p>
+          <a:p>
+            <a:pPr marL="742950" indent="-742950">
+              <a:buFont typeface="+mj-lt"/>
+              <a:buAutoNum type="arabicPeriod"/>
+            </a:pPr>
+            <a:r>
+              <a:rPr lang="en-GB" sz="3600" dirty="0">
+                <a:latin typeface="Times New Roman" panose="02020603050405020304" pitchFamily="18" charset="0"/>
+                <a:cs typeface="Times New Roman" panose="02020603050405020304" pitchFamily="18" charset="0"/>
+              </a:rPr>
+              <a:t>Aspect ratio</a:t>
+            </a:r>
+          </a:p>
+        </p:txBody>
+      </p:sp>
+    </p:spTree>
+    <p:extLst>
+      <p:ext uri="{BB962C8B-B14F-4D97-AF65-F5344CB8AC3E}">
+        <p14:creationId xmlns:p14="http://schemas.microsoft.com/office/powerpoint/2010/main" val="1429747414"/>
+      </p:ext>
+    </p:extLst>
+  </p:cSld>
+  <p:clrMapOvr>
+    <a:masterClrMapping/>
+  </p:clrMapOvr>
+  <mc:AlternateContent xmlns:mc="http://schemas.openxmlformats.org/markup-compatibility/2006" xmlns:p14="http://schemas.microsoft.com/office/powerpoint/2010/main">
+    <mc:Choice Requires="p14">
+      <p:transition p14:dur="100">
+        <p:cut/>
+      </p:transition>
+    </mc:Choice>
+    <mc:Fallback xmlns="">
+      <p:transition>
+        <p:cut/>
+      </p:transition>
+    </mc:Fallback>
+  </mc:AlternateContent>
+</p:sld>
+</file>
+
+<file path=ppt/slides/slide5.xml><?xml version="1.0" encoding="utf-8"?>
+<p:sld xmlns:a="http://schemas.openxmlformats.org/drawingml/2006/main" xmlns:r="http://schemas.openxmlformats.org/officeDocument/2006/relationships" xmlns:p="http://schemas.openxmlformats.org/presentationml/2006/main">
+  <p:cSld>
+    <p:spTree>
+      <p:nvGrpSpPr>
+        <p:cNvPr id="1" name=""/>
+        <p:cNvGrpSpPr/>
+        <p:nvPr/>
+      </p:nvGrpSpPr>
+      <p:grpSpPr>
+        <a:xfrm>
+          <a:off x="0" y="0"/>
+          <a:ext cx="0" cy="0"/>
+          <a:chOff x="0" y="0"/>
+          <a:chExt cx="0" cy="0"/>
+        </a:xfrm>
+      </p:grpSpPr>
+      <p:sp>
+        <p:nvSpPr>
+          <p:cNvPr id="6" name="Rectangle 5"/>
+          <p:cNvSpPr/>
+          <p:nvPr/>
+        </p:nvSpPr>
+        <p:spPr>
+          <a:xfrm>
+            <a:off x="0" y="0"/>
+            <a:ext cx="12192000" cy="6858000"/>
+          </a:xfrm>
+          <a:prstGeom prst="rect">
+            <a:avLst/>
+          </a:prstGeom>
+          <a:solidFill>
+            <a:srgbClr val="92D050"/>
+          </a:solidFill>
+          <a:ln>
+            <a:solidFill>
+              <a:srgbClr val="92D050"/>
+            </a:solidFill>
+          </a:ln>
+        </p:spPr>
+        <p:style>
+          <a:lnRef idx="2">
+            <a:schemeClr val="accent1">
+              <a:shade val="50000"/>
+            </a:schemeClr>
+          </a:lnRef>
+          <a:fillRef idx="1">
+            <a:schemeClr val="accent1"/>
+          </a:fillRef>
+          <a:effectRef idx="0">
+            <a:schemeClr val="accent1"/>
+          </a:effectRef>
+          <a:fontRef idx="minor">
+            <a:schemeClr val="lt1"/>
+          </a:fontRef>
+        </p:style>
+        <p:txBody>
+          <a:bodyPr rtlCol="0" anchor="ctr"/>
+          <a:lstStyle/>
+          <a:p>
+            <a:pPr algn="ctr"/>
+            <a:endParaRPr lang="en-GB" dirty="0"/>
+          </a:p>
+        </p:txBody>
+      </p:sp>
+      <p:sp>
+        <p:nvSpPr>
           <p:cNvPr id="7" name="TextBox 6"/>
           <p:cNvSpPr txBox="1"/>
           <p:nvPr/>
@@ -5181,7 +5581,7 @@
           <p:nvPr>
             <p:extLst>
               <p:ext uri="{D42A27DB-BD31-4B8C-83A1-F6EECF244321}">
-                <p14:modId xmlns:p14="http://schemas.microsoft.com/office/powerpoint/2010/main" val="1330142391"/>
+                <p14:modId xmlns:p14="http://schemas.microsoft.com/office/powerpoint/2010/main" val="573730156"/>
               </p:ext>
             </p:extLst>
           </p:nvPr>
@@ -5256,16 +5656,13 @@
                     <a:bodyPr/>
                     <a:lstStyle/>
                     <a:p>
-                      <a:r>
-                        <a:rPr lang="en-GB" sz="3600" b="0" dirty="0">
-                          <a:solidFill>
-                            <a:schemeClr val="tx1"/>
-                          </a:solidFill>
-                          <a:latin typeface="Times New Roman" panose="02020603050405020304" pitchFamily="18" charset="0"/>
-                          <a:cs typeface="Times New Roman" panose="02020603050405020304" pitchFamily="18" charset="0"/>
-                        </a:rPr>
-                        <a:t>Victory Background</a:t>
-                      </a:r>
+                      <a:endParaRPr lang="en-GB" sz="3600" b="0" dirty="0">
+                        <a:solidFill>
+                          <a:schemeClr val="tx1"/>
+                        </a:solidFill>
+                        <a:latin typeface="Times New Roman" panose="02020603050405020304" pitchFamily="18" charset="0"/>
+                        <a:cs typeface="Times New Roman" panose="02020603050405020304" pitchFamily="18" charset="0"/>
+                      </a:endParaRPr>
                     </a:p>
                   </a:txBody>
                   <a:tcPr>
@@ -5311,7 +5708,7 @@
           <p:nvPr/>
         </p:nvPicPr>
         <p:blipFill>
-          <a:blip r:embed="rId4">
+          <a:blip r:embed="rId3">
             <a:extLst>
               <a:ext uri="{28A0092B-C50C-407E-A947-70E740481C1C}">
                 <a14:useLocalDpi xmlns:a14="http://schemas.microsoft.com/office/drawing/2010/main" val="0"/>
@@ -5347,11 +5744,11 @@
           <p:nvPr/>
         </p:nvPicPr>
         <p:blipFill>
-          <a:blip r:embed="rId5">
+          <a:blip r:embed="rId4">
             <a:extLst>
               <a:ext uri="{BEBA8EAE-BF5A-486C-A8C5-ECC9F3942E4B}">
                 <a14:imgProps xmlns:a14="http://schemas.microsoft.com/office/drawing/2010/main">
-                  <a14:imgLayer r:embed="rId6">
+                  <a14:imgLayer r:embed="rId5">
                     <a14:imgEffect>
                       <a14:artisticGlowEdges/>
                     </a14:imgEffect>
@@ -5392,7 +5789,7 @@
           <p:nvPr/>
         </p:nvPicPr>
         <p:blipFill>
-          <a:blip r:embed="rId7">
+          <a:blip r:embed="rId6">
             <a:extLst>
               <a:ext uri="{28A0092B-C50C-407E-A947-70E740481C1C}">
                 <a14:useLocalDpi xmlns:a14="http://schemas.microsoft.com/office/drawing/2010/main" val="0"/>
@@ -5421,6 +5818,41 @@
               </a:srgbClr>
             </a:outerShdw>
           </a:effectLst>
+        </p:spPr>
+      </p:pic>
+      <p:pic>
+        <p:nvPicPr>
+          <p:cNvPr id="12" name="Picture 11">
+            <a:extLst>
+              <a:ext uri="{FF2B5EF4-FFF2-40B4-BE49-F238E27FC236}">
+                <a16:creationId xmlns:a16="http://schemas.microsoft.com/office/drawing/2014/main" id="{45E10ACD-1C04-4F46-841E-1974ACD1296B}"/>
+              </a:ext>
+            </a:extLst>
+          </p:cNvPr>
+          <p:cNvPicPr>
+            <a:picLocks noChangeAspect="1"/>
+          </p:cNvPicPr>
+          <p:nvPr/>
+        </p:nvPicPr>
+        <p:blipFill rotWithShape="1">
+          <a:blip r:embed="rId7">
+            <a:extLst>
+              <a:ext uri="{28A0092B-C50C-407E-A947-70E740481C1C}">
+                <a14:useLocalDpi xmlns:a14="http://schemas.microsoft.com/office/drawing/2010/main" val="0"/>
+              </a:ext>
+            </a:extLst>
+          </a:blip>
+          <a:srcRect l="138" t="7438"/>
+          <a:stretch/>
+        </p:blipFill>
+        <p:spPr>
+          <a:xfrm>
+            <a:off x="0" y="0"/>
+            <a:ext cx="462434" cy="6857999"/>
+          </a:xfrm>
+          <a:prstGeom prst="rect">
+            <a:avLst/>
+          </a:prstGeom>
         </p:spPr>
       </p:pic>
       <p:pic>
@@ -5459,96 +5891,6 @@
           </a:prstGeom>
         </p:spPr>
       </p:pic>
-    </p:spTree>
-    <p:extLst>
-      <p:ext uri="{BB962C8B-B14F-4D97-AF65-F5344CB8AC3E}">
-        <p14:creationId xmlns:p14="http://schemas.microsoft.com/office/powerpoint/2010/main" val="1367605330"/>
-      </p:ext>
-    </p:extLst>
-  </p:cSld>
-  <p:clrMapOvr>
-    <a:masterClrMapping/>
-  </p:clrMapOvr>
-  <mc:AlternateContent xmlns:mc="http://schemas.openxmlformats.org/markup-compatibility/2006" xmlns:p14="http://schemas.microsoft.com/office/powerpoint/2010/main">
-    <mc:Choice Requires="p14">
-      <p:transition p14:dur="100">
-        <p:cut/>
-      </p:transition>
-    </mc:Choice>
-    <mc:Fallback xmlns="">
-      <p:transition>
-        <p:cut/>
-      </p:transition>
-    </mc:Fallback>
-  </mc:AlternateContent>
-</p:sld>
-</file>
-
-<file path=ppt/slides/slide5.xml><?xml version="1.0" encoding="utf-8"?>
-<p:sld xmlns:a="http://schemas.openxmlformats.org/drawingml/2006/main" xmlns:r="http://schemas.openxmlformats.org/officeDocument/2006/relationships" xmlns:p="http://schemas.openxmlformats.org/presentationml/2006/main">
-  <p:cSld>
-    <p:spTree>
-      <p:nvGrpSpPr>
-        <p:cNvPr id="1" name=""/>
-        <p:cNvGrpSpPr/>
-        <p:nvPr/>
-      </p:nvGrpSpPr>
-      <p:grpSpPr>
-        <a:xfrm>
-          <a:off x="0" y="0"/>
-          <a:ext cx="0" cy="0"/>
-          <a:chOff x="0" y="0"/>
-          <a:chExt cx="0" cy="0"/>
-        </a:xfrm>
-      </p:grpSpPr>
-      <p:sp>
-        <p:nvSpPr>
-          <p:cNvPr id="6" name="Rectangle 5"/>
-          <p:cNvSpPr/>
-          <p:nvPr/>
-        </p:nvSpPr>
-        <p:spPr>
-          <a:xfrm>
-            <a:off x="0" y="0"/>
-            <a:ext cx="12192000" cy="6858000"/>
-          </a:xfrm>
-          <a:prstGeom prst="rect">
-            <a:avLst/>
-          </a:prstGeom>
-          <a:solidFill>
-            <a:srgbClr val="92D050"/>
-          </a:solidFill>
-          <a:ln>
-            <a:solidFill>
-              <a:srgbClr val="92D050"/>
-            </a:solidFill>
-          </a:ln>
-        </p:spPr>
-        <p:style>
-          <a:lnRef idx="2">
-            <a:schemeClr val="accent1">
-              <a:shade val="50000"/>
-            </a:schemeClr>
-          </a:lnRef>
-          <a:fillRef idx="1">
-            <a:schemeClr val="accent1"/>
-          </a:fillRef>
-          <a:effectRef idx="0">
-            <a:schemeClr val="accent1"/>
-          </a:effectRef>
-          <a:fontRef idx="minor">
-            <a:schemeClr val="lt1"/>
-          </a:fontRef>
-        </p:style>
-        <p:txBody>
-          <a:bodyPr rtlCol="0" anchor="ctr"/>
-          <a:lstStyle/>
-          <a:p>
-            <a:pPr algn="ctr"/>
-            <a:endParaRPr lang="en-GB"/>
-          </a:p>
-        </p:txBody>
-      </p:sp>
       <p:pic>
         <p:nvPicPr>
           <p:cNvPr id="4" name="Picture 3"/>
@@ -5558,7 +5900,7 @@
           <p:nvPr/>
         </p:nvPicPr>
         <p:blipFill rotWithShape="1">
-          <a:blip r:embed="rId3" cstate="print">
+          <a:blip r:embed="rId9" cstate="print">
             <a:extLst>
               <a:ext uri="{28A0092B-C50C-407E-A947-70E740481C1C}">
                 <a14:useLocalDpi xmlns:a14="http://schemas.microsoft.com/office/drawing/2010/main" val="0"/>
@@ -5572,6 +5914,41 @@
           <a:xfrm rot="2038649">
             <a:off x="-34187" y="207604"/>
             <a:ext cx="1760565" cy="1682291"/>
+          </a:xfrm>
+          <a:prstGeom prst="rect">
+            <a:avLst/>
+          </a:prstGeom>
+        </p:spPr>
+      </p:pic>
+      <p:pic>
+        <p:nvPicPr>
+          <p:cNvPr id="16" name="Picture 15">
+            <a:extLst>
+              <a:ext uri="{FF2B5EF4-FFF2-40B4-BE49-F238E27FC236}">
+                <a16:creationId xmlns:a16="http://schemas.microsoft.com/office/drawing/2014/main" id="{84DB8BF1-1301-4CA1-B1AF-D56FF5249488}"/>
+              </a:ext>
+            </a:extLst>
+          </p:cNvPr>
+          <p:cNvPicPr>
+            <a:picLocks noChangeAspect="1"/>
+          </p:cNvPicPr>
+          <p:nvPr/>
+        </p:nvPicPr>
+        <p:blipFill rotWithShape="1">
+          <a:blip r:embed="rId7">
+            <a:extLst>
+              <a:ext uri="{28A0092B-C50C-407E-A947-70E740481C1C}">
+                <a14:useLocalDpi xmlns:a14="http://schemas.microsoft.com/office/drawing/2010/main" val="0"/>
+              </a:ext>
+            </a:extLst>
+          </a:blip>
+          <a:srcRect l="138" t="7438"/>
+          <a:stretch/>
+        </p:blipFill>
+        <p:spPr>
+          <a:xfrm>
+            <a:off x="11756582" y="-1"/>
+            <a:ext cx="462434" cy="6857999"/>
           </a:xfrm>
           <a:prstGeom prst="rect">
             <a:avLst/>
@@ -5587,7 +5964,7 @@
           <p:nvPr/>
         </p:nvPicPr>
         <p:blipFill rotWithShape="1">
-          <a:blip r:embed="rId3" cstate="print">
+          <a:blip r:embed="rId9" cstate="print">
             <a:extLst>
               <a:ext uri="{28A0092B-C50C-407E-A947-70E740481C1C}">
                 <a14:useLocalDpi xmlns:a14="http://schemas.microsoft.com/office/drawing/2010/main" val="0"/>
@@ -5607,143 +5984,10 @@
           </a:prstGeom>
         </p:spPr>
       </p:pic>
-      <p:sp>
-        <p:nvSpPr>
-          <p:cNvPr id="7" name="TextBox 6"/>
-          <p:cNvSpPr txBox="1"/>
-          <p:nvPr/>
-        </p:nvSpPr>
-        <p:spPr>
-          <a:xfrm>
-            <a:off x="2309426" y="510139"/>
-            <a:ext cx="7514930" cy="1077218"/>
-          </a:xfrm>
-          <a:prstGeom prst="rect">
-            <a:avLst/>
-          </a:prstGeom>
-          <a:noFill/>
-        </p:spPr>
-        <p:txBody>
-          <a:bodyPr wrap="square" rtlCol="0">
-            <a:spAutoFit/>
-          </a:bodyPr>
-          <a:lstStyle/>
-          <a:p>
-            <a:pPr algn="ctr"/>
-            <a:r>
-              <a:rPr lang="en-GB" sz="6400" spc="300" dirty="0">
-                <a:latin typeface="Times New Roman" panose="02020603050405020304" pitchFamily="18" charset="0"/>
-                <a:ea typeface="MS Gothic" panose="020B0609070205080204" pitchFamily="49" charset="-128"/>
-                <a:cs typeface="Times New Roman" panose="02020603050405020304" pitchFamily="18" charset="0"/>
-              </a:rPr>
-              <a:t>Our Plan</a:t>
-            </a:r>
-          </a:p>
-        </p:txBody>
-      </p:sp>
-      <p:sp>
-        <p:nvSpPr>
-          <p:cNvPr id="3" name="TextBox 2"/>
-          <p:cNvSpPr txBox="1"/>
-          <p:nvPr/>
-        </p:nvSpPr>
-        <p:spPr>
-          <a:xfrm>
-            <a:off x="1708484" y="2551837"/>
-            <a:ext cx="8775032" cy="2308324"/>
-          </a:xfrm>
-          <a:prstGeom prst="rect">
-            <a:avLst/>
-          </a:prstGeom>
-          <a:noFill/>
-        </p:spPr>
-        <p:txBody>
-          <a:bodyPr wrap="square" rtlCol="0">
-            <a:spAutoFit/>
-          </a:bodyPr>
-          <a:lstStyle/>
-          <a:p>
-            <a:pPr marL="285750" indent="-285750">
-              <a:buFont typeface="Wingdings" panose="05000000000000000000" pitchFamily="2" charset="2"/>
-              <a:buChar char="§"/>
-            </a:pPr>
-            <a:r>
-              <a:rPr lang="en-GB" sz="3600" dirty="0"/>
-              <a:t>Sort through the key bugs</a:t>
-            </a:r>
-          </a:p>
-          <a:p>
-            <a:pPr marL="285750" indent="-285750">
-              <a:buFont typeface="Wingdings" panose="05000000000000000000" pitchFamily="2" charset="2"/>
-              <a:buChar char="§"/>
-            </a:pPr>
-            <a:r>
-              <a:rPr lang="en-GB" sz="3600" dirty="0"/>
-              <a:t>Playtest to smooth out any remaining issues</a:t>
-            </a:r>
-          </a:p>
-          <a:p>
-            <a:pPr marL="285750" indent="-285750">
-              <a:buFont typeface="Wingdings" panose="05000000000000000000" pitchFamily="2" charset="2"/>
-              <a:buChar char="§"/>
-            </a:pPr>
-            <a:r>
-              <a:rPr lang="en-GB" sz="3600" dirty="0"/>
-              <a:t>Polish the game art</a:t>
-            </a:r>
-          </a:p>
-          <a:p>
-            <a:pPr marL="285750" indent="-285750">
-              <a:buFont typeface="Wingdings" panose="05000000000000000000" pitchFamily="2" charset="2"/>
-              <a:buChar char="§"/>
-            </a:pPr>
-            <a:r>
-              <a:rPr lang="en-GB" sz="3600" dirty="0"/>
-              <a:t>Add Animations</a:t>
-            </a:r>
-          </a:p>
-        </p:txBody>
-      </p:sp>
-      <p:pic>
-        <p:nvPicPr>
-          <p:cNvPr id="8" name="Picture 7">
-            <a:extLst>
-              <a:ext uri="{FF2B5EF4-FFF2-40B4-BE49-F238E27FC236}">
-                <a16:creationId xmlns:a16="http://schemas.microsoft.com/office/drawing/2014/main" id="{5A98D3EF-2D79-4DE2-8C3B-39A5FA928F29}"/>
-              </a:ext>
-            </a:extLst>
-          </p:cNvPr>
-          <p:cNvPicPr>
-            <a:picLocks noChangeAspect="1"/>
-          </p:cNvPicPr>
-          <p:nvPr/>
-        </p:nvPicPr>
-        <p:blipFill>
-          <a:blip r:embed="rId4">
-            <a:extLst>
-              <a:ext uri="{28A0092B-C50C-407E-A947-70E740481C1C}">
-                <a14:useLocalDpi xmlns:a14="http://schemas.microsoft.com/office/drawing/2010/main" val="0"/>
-              </a:ext>
-            </a:extLst>
-          </a:blip>
-          <a:stretch>
-            <a:fillRect/>
-          </a:stretch>
-        </p:blipFill>
-        <p:spPr>
-          <a:xfrm>
-            <a:off x="10040302" y="2911071"/>
-            <a:ext cx="2151698" cy="3825240"/>
-          </a:xfrm>
-          <a:prstGeom prst="rect">
-            <a:avLst/>
-          </a:prstGeom>
-        </p:spPr>
-      </p:pic>
     </p:spTree>
     <p:extLst>
       <p:ext uri="{BB962C8B-B14F-4D97-AF65-F5344CB8AC3E}">
-        <p14:creationId xmlns:p14="http://schemas.microsoft.com/office/powerpoint/2010/main" val="2767955555"/>
+        <p14:creationId xmlns:p14="http://schemas.microsoft.com/office/powerpoint/2010/main" val="1367605330"/>
       </p:ext>
     </p:extLst>
   </p:cSld>
@@ -5826,6 +6070,317 @@
           <a:lstStyle/>
           <a:p>
             <a:pPr algn="ctr"/>
+            <a:r>
+              <a:rPr lang="en-GB"/>
+              <a:t> </a:t>
+            </a:r>
+          </a:p>
+        </p:txBody>
+      </p:sp>
+      <p:pic>
+        <p:nvPicPr>
+          <p:cNvPr id="4" name="Picture 3"/>
+          <p:cNvPicPr>
+            <a:picLocks noChangeAspect="1"/>
+          </p:cNvPicPr>
+          <p:nvPr/>
+        </p:nvPicPr>
+        <p:blipFill rotWithShape="1">
+          <a:blip r:embed="rId3" cstate="print">
+            <a:extLst>
+              <a:ext uri="{28A0092B-C50C-407E-A947-70E740481C1C}">
+                <a14:useLocalDpi xmlns:a14="http://schemas.microsoft.com/office/drawing/2010/main" val="0"/>
+              </a:ext>
+            </a:extLst>
+          </a:blip>
+          <a:srcRect l="10634" t="17879" r="44202" b="20580"/>
+          <a:stretch/>
+        </p:blipFill>
+        <p:spPr>
+          <a:xfrm rot="2038649">
+            <a:off x="-34187" y="207604"/>
+            <a:ext cx="1760565" cy="1682291"/>
+          </a:xfrm>
+          <a:prstGeom prst="rect">
+            <a:avLst/>
+          </a:prstGeom>
+        </p:spPr>
+      </p:pic>
+      <p:pic>
+        <p:nvPicPr>
+          <p:cNvPr id="5" name="Picture 4"/>
+          <p:cNvPicPr>
+            <a:picLocks noChangeAspect="1"/>
+          </p:cNvPicPr>
+          <p:nvPr/>
+        </p:nvPicPr>
+        <p:blipFill rotWithShape="1">
+          <a:blip r:embed="rId3" cstate="print">
+            <a:extLst>
+              <a:ext uri="{28A0092B-C50C-407E-A947-70E740481C1C}">
+                <a14:useLocalDpi xmlns:a14="http://schemas.microsoft.com/office/drawing/2010/main" val="0"/>
+              </a:ext>
+            </a:extLst>
+          </a:blip>
+          <a:srcRect l="10634" t="17879" r="44202" b="20580"/>
+          <a:stretch/>
+        </p:blipFill>
+        <p:spPr>
+          <a:xfrm rot="7545773" flipV="1">
+            <a:off x="10408863" y="195595"/>
+            <a:ext cx="1785698" cy="1706306"/>
+          </a:xfrm>
+          <a:prstGeom prst="rect">
+            <a:avLst/>
+          </a:prstGeom>
+        </p:spPr>
+      </p:pic>
+      <p:sp>
+        <p:nvSpPr>
+          <p:cNvPr id="7" name="TextBox 6"/>
+          <p:cNvSpPr txBox="1"/>
+          <p:nvPr/>
+        </p:nvSpPr>
+        <p:spPr>
+          <a:xfrm>
+            <a:off x="2309426" y="510139"/>
+            <a:ext cx="7514930" cy="1077218"/>
+          </a:xfrm>
+          <a:prstGeom prst="rect">
+            <a:avLst/>
+          </a:prstGeom>
+          <a:noFill/>
+        </p:spPr>
+        <p:txBody>
+          <a:bodyPr wrap="square" rtlCol="0">
+            <a:spAutoFit/>
+          </a:bodyPr>
+          <a:lstStyle/>
+          <a:p>
+            <a:pPr algn="ctr"/>
+            <a:r>
+              <a:rPr lang="en-GB" sz="6400" spc="300" dirty="0">
+                <a:latin typeface="Times New Roman" panose="02020603050405020304" pitchFamily="18" charset="0"/>
+                <a:ea typeface="MS Gothic" panose="020B0609070205080204" pitchFamily="49" charset="-128"/>
+                <a:cs typeface="Times New Roman" panose="02020603050405020304" pitchFamily="18" charset="0"/>
+              </a:rPr>
+              <a:t>Our Plan</a:t>
+            </a:r>
+          </a:p>
+        </p:txBody>
+      </p:sp>
+      <p:sp>
+        <p:nvSpPr>
+          <p:cNvPr id="3" name="TextBox 2"/>
+          <p:cNvSpPr txBox="1"/>
+          <p:nvPr/>
+        </p:nvSpPr>
+        <p:spPr>
+          <a:xfrm>
+            <a:off x="1708484" y="2551837"/>
+            <a:ext cx="8775032" cy="3970318"/>
+          </a:xfrm>
+          <a:prstGeom prst="rect">
+            <a:avLst/>
+          </a:prstGeom>
+          <a:noFill/>
+        </p:spPr>
+        <p:txBody>
+          <a:bodyPr wrap="square" rtlCol="0">
+            <a:spAutoFit/>
+          </a:bodyPr>
+          <a:lstStyle/>
+          <a:p>
+            <a:pPr marL="285750" indent="-285750">
+              <a:buFont typeface="Wingdings" panose="05000000000000000000" pitchFamily="2" charset="2"/>
+              <a:buChar char="§"/>
+            </a:pPr>
+            <a:r>
+              <a:rPr lang="en-GB" sz="3600" dirty="0"/>
+              <a:t>Sort through the key bugs</a:t>
+            </a:r>
+          </a:p>
+          <a:p>
+            <a:pPr marL="285750" indent="-285750">
+              <a:buFont typeface="Wingdings" panose="05000000000000000000" pitchFamily="2" charset="2"/>
+              <a:buChar char="§"/>
+            </a:pPr>
+            <a:r>
+              <a:rPr lang="en-GB" sz="3600" dirty="0"/>
+              <a:t>Playtesting</a:t>
+            </a:r>
+          </a:p>
+          <a:p>
+            <a:pPr marL="285750" indent="-285750">
+              <a:buFont typeface="Wingdings" panose="05000000000000000000" pitchFamily="2" charset="2"/>
+              <a:buChar char="§"/>
+            </a:pPr>
+            <a:r>
+              <a:rPr lang="en-GB" sz="3600" dirty="0"/>
+              <a:t>Polish</a:t>
+            </a:r>
+          </a:p>
+          <a:p>
+            <a:pPr marL="285750" indent="-285750">
+              <a:buFont typeface="Wingdings" panose="05000000000000000000" pitchFamily="2" charset="2"/>
+              <a:buChar char="§"/>
+            </a:pPr>
+            <a:r>
+              <a:rPr lang="en-GB" sz="3600" dirty="0"/>
+              <a:t>Add Animations</a:t>
+            </a:r>
+          </a:p>
+          <a:p>
+            <a:pPr marL="285750" indent="-285750">
+              <a:buFont typeface="Wingdings" panose="05000000000000000000" pitchFamily="2" charset="2"/>
+              <a:buChar char="§"/>
+            </a:pPr>
+            <a:r>
+              <a:rPr lang="en-GB" sz="3600" dirty="0"/>
+              <a:t>Update Design</a:t>
+            </a:r>
+          </a:p>
+          <a:p>
+            <a:pPr marL="285750" indent="-285750">
+              <a:buFont typeface="Wingdings" panose="05000000000000000000" pitchFamily="2" charset="2"/>
+              <a:buChar char="§"/>
+            </a:pPr>
+            <a:r>
+              <a:rPr lang="en-GB" sz="3600" dirty="0"/>
+              <a:t>More playtesting</a:t>
+            </a:r>
+          </a:p>
+          <a:p>
+            <a:pPr marL="285750" indent="-285750">
+              <a:buFont typeface="Wingdings" panose="05000000000000000000" pitchFamily="2" charset="2"/>
+              <a:buChar char="§"/>
+            </a:pPr>
+            <a:endParaRPr lang="en-GB" sz="3600" dirty="0"/>
+          </a:p>
+        </p:txBody>
+      </p:sp>
+      <p:pic>
+        <p:nvPicPr>
+          <p:cNvPr id="8" name="Picture 7">
+            <a:extLst>
+              <a:ext uri="{FF2B5EF4-FFF2-40B4-BE49-F238E27FC236}">
+                <a16:creationId xmlns:a16="http://schemas.microsoft.com/office/drawing/2014/main" id="{5A98D3EF-2D79-4DE2-8C3B-39A5FA928F29}"/>
+              </a:ext>
+            </a:extLst>
+          </p:cNvPr>
+          <p:cNvPicPr>
+            <a:picLocks noChangeAspect="1"/>
+          </p:cNvPicPr>
+          <p:nvPr/>
+        </p:nvPicPr>
+        <p:blipFill>
+          <a:blip r:embed="rId4">
+            <a:extLst>
+              <a:ext uri="{28A0092B-C50C-407E-A947-70E740481C1C}">
+                <a14:useLocalDpi xmlns:a14="http://schemas.microsoft.com/office/drawing/2010/main" val="0"/>
+              </a:ext>
+            </a:extLst>
+          </a:blip>
+          <a:stretch>
+            <a:fillRect/>
+          </a:stretch>
+        </p:blipFill>
+        <p:spPr>
+          <a:xfrm>
+            <a:off x="10040302" y="2911071"/>
+            <a:ext cx="2151698" cy="3825240"/>
+          </a:xfrm>
+          <a:prstGeom prst="rect">
+            <a:avLst/>
+          </a:prstGeom>
+        </p:spPr>
+      </p:pic>
+    </p:spTree>
+    <p:extLst>
+      <p:ext uri="{BB962C8B-B14F-4D97-AF65-F5344CB8AC3E}">
+        <p14:creationId xmlns:p14="http://schemas.microsoft.com/office/powerpoint/2010/main" val="2767955555"/>
+      </p:ext>
+    </p:extLst>
+  </p:cSld>
+  <p:clrMapOvr>
+    <a:masterClrMapping/>
+  </p:clrMapOvr>
+  <mc:AlternateContent xmlns:mc="http://schemas.openxmlformats.org/markup-compatibility/2006" xmlns:p14="http://schemas.microsoft.com/office/powerpoint/2010/main">
+    <mc:Choice Requires="p14">
+      <p:transition p14:dur="100">
+        <p:cut/>
+      </p:transition>
+    </mc:Choice>
+    <mc:Fallback xmlns="">
+      <p:transition>
+        <p:cut/>
+      </p:transition>
+    </mc:Fallback>
+  </mc:AlternateContent>
+</p:sld>
+</file>
+
+<file path=ppt/slides/slide7.xml><?xml version="1.0" encoding="utf-8"?>
+<p:sld xmlns:a="http://schemas.openxmlformats.org/drawingml/2006/main" xmlns:r="http://schemas.openxmlformats.org/officeDocument/2006/relationships" xmlns:p="http://schemas.openxmlformats.org/presentationml/2006/main">
+  <p:cSld>
+    <p:spTree>
+      <p:nvGrpSpPr>
+        <p:cNvPr id="1" name=""/>
+        <p:cNvGrpSpPr/>
+        <p:nvPr/>
+      </p:nvGrpSpPr>
+      <p:grpSpPr>
+        <a:xfrm>
+          <a:off x="0" y="0"/>
+          <a:ext cx="0" cy="0"/>
+          <a:chOff x="0" y="0"/>
+          <a:chExt cx="0" cy="0"/>
+        </a:xfrm>
+      </p:grpSpPr>
+      <p:sp>
+        <p:nvSpPr>
+          <p:cNvPr id="6" name="Rectangle 5"/>
+          <p:cNvSpPr/>
+          <p:nvPr/>
+        </p:nvSpPr>
+        <p:spPr>
+          <a:xfrm>
+            <a:off x="0" y="0"/>
+            <a:ext cx="12192000" cy="6858000"/>
+          </a:xfrm>
+          <a:prstGeom prst="rect">
+            <a:avLst/>
+          </a:prstGeom>
+          <a:solidFill>
+            <a:srgbClr val="92D050"/>
+          </a:solidFill>
+          <a:ln>
+            <a:solidFill>
+              <a:srgbClr val="92D050"/>
+            </a:solidFill>
+          </a:ln>
+        </p:spPr>
+        <p:style>
+          <a:lnRef idx="2">
+            <a:schemeClr val="accent1">
+              <a:shade val="50000"/>
+            </a:schemeClr>
+          </a:lnRef>
+          <a:fillRef idx="1">
+            <a:schemeClr val="accent1"/>
+          </a:fillRef>
+          <a:effectRef idx="0">
+            <a:schemeClr val="accent1"/>
+          </a:effectRef>
+          <a:fontRef idx="minor">
+            <a:schemeClr val="lt1"/>
+          </a:fontRef>
+        </p:style>
+        <p:txBody>
+          <a:bodyPr rtlCol="0" anchor="ctr"/>
+          <a:lstStyle/>
+          <a:p>
+            <a:pPr algn="ctr"/>
             <a:endParaRPr lang="en-GB"/>
           </a:p>
         </p:txBody>
@@ -5921,78 +6476,6 @@
           </a:p>
         </p:txBody>
       </p:sp>
-      <p:pic>
-        <p:nvPicPr>
-          <p:cNvPr id="7" name="Picture 6">
-            <a:extLst>
-              <a:ext uri="{FF2B5EF4-FFF2-40B4-BE49-F238E27FC236}">
-                <a16:creationId xmlns:a16="http://schemas.microsoft.com/office/drawing/2014/main" id="{9BD4E5F9-52A6-4152-8AE3-102762F45FF0}"/>
-              </a:ext>
-            </a:extLst>
-          </p:cNvPr>
-          <p:cNvPicPr>
-            <a:picLocks noChangeAspect="1"/>
-          </p:cNvPicPr>
-          <p:nvPr/>
-        </p:nvPicPr>
-        <p:blipFill>
-          <a:blip r:embed="rId3">
-            <a:extLst>
-              <a:ext uri="{28A0092B-C50C-407E-A947-70E740481C1C}">
-                <a14:useLocalDpi xmlns:a14="http://schemas.microsoft.com/office/drawing/2010/main" val="0"/>
-              </a:ext>
-            </a:extLst>
-          </a:blip>
-          <a:stretch>
-            <a:fillRect/>
-          </a:stretch>
-        </p:blipFill>
-        <p:spPr>
-          <a:xfrm rot="5400000">
-            <a:off x="-50160" y="4652106"/>
-            <a:ext cx="4192650" cy="4192650"/>
-          </a:xfrm>
-          <a:prstGeom prst="rect">
-            <a:avLst/>
-          </a:prstGeom>
-        </p:spPr>
-      </p:pic>
-      <p:pic>
-        <p:nvPicPr>
-          <p:cNvPr id="9" name="Picture 8">
-            <a:extLst>
-              <a:ext uri="{FF2B5EF4-FFF2-40B4-BE49-F238E27FC236}">
-                <a16:creationId xmlns:a16="http://schemas.microsoft.com/office/drawing/2014/main" id="{25EF6C2E-425E-48E9-8DB7-1B8D4E7A8806}"/>
-              </a:ext>
-            </a:extLst>
-          </p:cNvPr>
-          <p:cNvPicPr>
-            <a:picLocks noChangeAspect="1"/>
-          </p:cNvPicPr>
-          <p:nvPr/>
-        </p:nvPicPr>
-        <p:blipFill>
-          <a:blip r:embed="rId4">
-            <a:extLst>
-              <a:ext uri="{28A0092B-C50C-407E-A947-70E740481C1C}">
-                <a14:useLocalDpi xmlns:a14="http://schemas.microsoft.com/office/drawing/2010/main" val="0"/>
-              </a:ext>
-            </a:extLst>
-          </a:blip>
-          <a:stretch>
-            <a:fillRect/>
-          </a:stretch>
-        </p:blipFill>
-        <p:spPr>
-          <a:xfrm rot="8928147">
-            <a:off x="7100055" y="-977848"/>
-            <a:ext cx="4927149" cy="3695361"/>
-          </a:xfrm>
-          <a:prstGeom prst="rect">
-            <a:avLst/>
-          </a:prstGeom>
-        </p:spPr>
-      </p:pic>
     </p:spTree>
     <p:extLst>
       <p:ext uri="{BB962C8B-B14F-4D97-AF65-F5344CB8AC3E}">

--- a/Documents/Presentations/PresentationBeta.pptx
+++ b/Documents/Presentations/PresentationBeta.pptx
@@ -4883,114 +4883,6 @@
           </a:prstGeom>
         </p:spPr>
       </p:pic>
-      <p:pic>
-        <p:nvPicPr>
-          <p:cNvPr id="12" name="Picture 11">
-            <a:extLst>
-              <a:ext uri="{FF2B5EF4-FFF2-40B4-BE49-F238E27FC236}">
-                <a16:creationId xmlns:a16="http://schemas.microsoft.com/office/drawing/2014/main" id="{2936E3AD-9D29-41D7-AD1F-DC0E9322DBB2}"/>
-              </a:ext>
-            </a:extLst>
-          </p:cNvPr>
-          <p:cNvPicPr>
-            <a:picLocks noChangeAspect="1"/>
-          </p:cNvPicPr>
-          <p:nvPr/>
-        </p:nvPicPr>
-        <p:blipFill>
-          <a:blip r:embed="rId5">
-            <a:extLst>
-              <a:ext uri="{28A0092B-C50C-407E-A947-70E740481C1C}">
-                <a14:useLocalDpi xmlns:a14="http://schemas.microsoft.com/office/drawing/2010/main" val="0"/>
-              </a:ext>
-            </a:extLst>
-          </a:blip>
-          <a:stretch>
-            <a:fillRect/>
-          </a:stretch>
-        </p:blipFill>
-        <p:spPr>
-          <a:xfrm>
-            <a:off x="10817716" y="5614721"/>
-            <a:ext cx="1657706" cy="1243279"/>
-          </a:xfrm>
-          <a:prstGeom prst="rect">
-            <a:avLst/>
-          </a:prstGeom>
-        </p:spPr>
-      </p:pic>
-      <p:pic>
-        <p:nvPicPr>
-          <p:cNvPr id="13" name="Picture 12">
-            <a:extLst>
-              <a:ext uri="{FF2B5EF4-FFF2-40B4-BE49-F238E27FC236}">
-                <a16:creationId xmlns:a16="http://schemas.microsoft.com/office/drawing/2014/main" id="{DA58934B-6EB5-4F04-996E-6CCAB1489588}"/>
-              </a:ext>
-            </a:extLst>
-          </p:cNvPr>
-          <p:cNvPicPr>
-            <a:picLocks noChangeAspect="1"/>
-          </p:cNvPicPr>
-          <p:nvPr/>
-        </p:nvPicPr>
-        <p:blipFill>
-          <a:blip r:embed="rId5">
-            <a:extLst>
-              <a:ext uri="{28A0092B-C50C-407E-A947-70E740481C1C}">
-                <a14:useLocalDpi xmlns:a14="http://schemas.microsoft.com/office/drawing/2010/main" val="0"/>
-              </a:ext>
-            </a:extLst>
-          </a:blip>
-          <a:stretch>
-            <a:fillRect/>
-          </a:stretch>
-        </p:blipFill>
-        <p:spPr>
-          <a:xfrm rot="11615313">
-            <a:off x="10748286" y="4635067"/>
-            <a:ext cx="1657706" cy="1243279"/>
-          </a:xfrm>
-          <a:prstGeom prst="rect">
-            <a:avLst/>
-          </a:prstGeom>
-        </p:spPr>
-      </p:pic>
-      <p:pic>
-        <p:nvPicPr>
-          <p:cNvPr id="14" name="Picture 13">
-            <a:extLst>
-              <a:ext uri="{FF2B5EF4-FFF2-40B4-BE49-F238E27FC236}">
-                <a16:creationId xmlns:a16="http://schemas.microsoft.com/office/drawing/2014/main" id="{BD512FD7-4FB9-4401-BC9D-95F9B89F290F}"/>
-              </a:ext>
-            </a:extLst>
-          </p:cNvPr>
-          <p:cNvPicPr>
-            <a:picLocks noChangeAspect="1"/>
-          </p:cNvPicPr>
-          <p:nvPr/>
-        </p:nvPicPr>
-        <p:blipFill>
-          <a:blip r:embed="rId5">
-            <a:extLst>
-              <a:ext uri="{28A0092B-C50C-407E-A947-70E740481C1C}">
-                <a14:useLocalDpi xmlns:a14="http://schemas.microsoft.com/office/drawing/2010/main" val="0"/>
-              </a:ext>
-            </a:extLst>
-          </a:blip>
-          <a:stretch>
-            <a:fillRect/>
-          </a:stretch>
-        </p:blipFill>
-        <p:spPr>
-          <a:xfrm rot="6195422">
-            <a:off x="10498825" y="5237392"/>
-            <a:ext cx="1178543" cy="883907"/>
-          </a:xfrm>
-          <a:prstGeom prst="rect">
-            <a:avLst/>
-          </a:prstGeom>
-        </p:spPr>
-      </p:pic>
     </p:spTree>
     <p:extLst>
       <p:ext uri="{BB962C8B-B14F-4D97-AF65-F5344CB8AC3E}">
@@ -5276,78 +5168,6 @@
           <a:xfrm>
             <a:off x="10817716" y="5614721"/>
             <a:ext cx="1657706" cy="1243279"/>
-          </a:xfrm>
-          <a:prstGeom prst="rect">
-            <a:avLst/>
-          </a:prstGeom>
-        </p:spPr>
-      </p:pic>
-      <p:pic>
-        <p:nvPicPr>
-          <p:cNvPr id="10" name="Picture 9">
-            <a:extLst>
-              <a:ext uri="{FF2B5EF4-FFF2-40B4-BE49-F238E27FC236}">
-                <a16:creationId xmlns:a16="http://schemas.microsoft.com/office/drawing/2014/main" id="{69BF328B-4E83-48D7-87B4-3FE6C7FD2801}"/>
-              </a:ext>
-            </a:extLst>
-          </p:cNvPr>
-          <p:cNvPicPr>
-            <a:picLocks noChangeAspect="1"/>
-          </p:cNvPicPr>
-          <p:nvPr/>
-        </p:nvPicPr>
-        <p:blipFill>
-          <a:blip r:embed="rId3">
-            <a:extLst>
-              <a:ext uri="{28A0092B-C50C-407E-A947-70E740481C1C}">
-                <a14:useLocalDpi xmlns:a14="http://schemas.microsoft.com/office/drawing/2010/main" val="0"/>
-              </a:ext>
-            </a:extLst>
-          </a:blip>
-          <a:stretch>
-            <a:fillRect/>
-          </a:stretch>
-        </p:blipFill>
-        <p:spPr>
-          <a:xfrm rot="11615313">
-            <a:off x="10748286" y="4635067"/>
-            <a:ext cx="1657706" cy="1243279"/>
-          </a:xfrm>
-          <a:prstGeom prst="rect">
-            <a:avLst/>
-          </a:prstGeom>
-        </p:spPr>
-      </p:pic>
-      <p:pic>
-        <p:nvPicPr>
-          <p:cNvPr id="11" name="Picture 10">
-            <a:extLst>
-              <a:ext uri="{FF2B5EF4-FFF2-40B4-BE49-F238E27FC236}">
-                <a16:creationId xmlns:a16="http://schemas.microsoft.com/office/drawing/2014/main" id="{7AC9AF0C-ED99-4F59-82D7-825BFDB844BE}"/>
-              </a:ext>
-            </a:extLst>
-          </p:cNvPr>
-          <p:cNvPicPr>
-            <a:picLocks noChangeAspect="1"/>
-          </p:cNvPicPr>
-          <p:nvPr/>
-        </p:nvPicPr>
-        <p:blipFill>
-          <a:blip r:embed="rId3">
-            <a:extLst>
-              <a:ext uri="{28A0092B-C50C-407E-A947-70E740481C1C}">
-                <a14:useLocalDpi xmlns:a14="http://schemas.microsoft.com/office/drawing/2010/main" val="0"/>
-              </a:ext>
-            </a:extLst>
-          </a:blip>
-          <a:stretch>
-            <a:fillRect/>
-          </a:stretch>
-        </p:blipFill>
-        <p:spPr>
-          <a:xfrm rot="6195422">
-            <a:off x="10498825" y="5237392"/>
-            <a:ext cx="1178543" cy="883907"/>
           </a:xfrm>
           <a:prstGeom prst="rect">
             <a:avLst/>

--- a/Documents/Presentations/PresentationBeta.pptx
+++ b/Documents/Presentations/PresentationBeta.pptx
@@ -4761,14 +4761,16 @@
       </p:sp>
       <p:pic>
         <p:nvPicPr>
-          <p:cNvPr id="4" name="Picture 3"/>
+          <p:cNvPr id="4" name="Picture 3">
+            <a:hlinkClick r:id="rId3"/>
+          </p:cNvPr>
           <p:cNvPicPr>
             <a:picLocks noChangeAspect="1"/>
           </p:cNvPicPr>
           <p:nvPr/>
         </p:nvPicPr>
         <p:blipFill rotWithShape="1">
-          <a:blip r:embed="rId3" cstate="print">
+          <a:blip r:embed="rId4" cstate="print">
             <a:extLst>
               <a:ext uri="{28A0092B-C50C-407E-A947-70E740481C1C}">
                 <a14:useLocalDpi xmlns:a14="http://schemas.microsoft.com/office/drawing/2010/main" val="0"/>
@@ -4797,7 +4799,7 @@
           <p:nvPr/>
         </p:nvPicPr>
         <p:blipFill rotWithShape="1">
-          <a:blip r:embed="rId3" cstate="print">
+          <a:blip r:embed="rId4" cstate="print">
             <a:extLst>
               <a:ext uri="{28A0092B-C50C-407E-A947-70E740481C1C}">
                 <a14:useLocalDpi xmlns:a14="http://schemas.microsoft.com/office/drawing/2010/main" val="0"/>
@@ -4868,7 +4870,7 @@
           </p:nvPr>
         </p:nvPicPr>
         <p:blipFill>
-          <a:blip r:embed="rId4"/>
+          <a:blip r:embed="rId5"/>
           <a:stretch>
             <a:fillRect/>
           </a:stretch>
